--- a/lecture/lecture5_llcao.pptx
+++ b/lecture/lecture5_llcao.pptx
@@ -14730,6 +14730,13 @@
   <p:clrMapOvr>
     <a:masterClrMapping/>
   </p:clrMapOvr>
+  <p:timing>
+    <p:tnLst>
+      <p:par>
+        <p:cTn id="1" dur="indefinite" restart="never" nodeType="tmRoot"/>
+      </p:par>
+    </p:tnLst>
+  </p:timing>
 </p:sld>
 </file>
 
@@ -15356,7 +15363,7 @@
       </p:sp>
       <p:pic>
         <p:nvPicPr>
-          <p:cNvPr id="1026" name="Picture 2" descr="https://cdn-images-1.medium.com/max/1000/1*AwJZkWLKabIicUPzSN6KCg.png"/>
+          <p:cNvPr id="3074" name="Picture 2" descr="mage result for mnist"/>
           <p:cNvPicPr>
             <a:picLocks noChangeAspect="1" noChangeArrowheads="1"/>
           </p:cNvPicPr>
@@ -15364,47 +15371,6 @@
         </p:nvPicPr>
         <p:blipFill>
           <a:blip r:embed="rId3">
-            <a:extLst>
-              <a:ext uri="{28A0092B-C50C-407E-A947-70E740481C1C}">
-                <a14:useLocalDpi xmlns:a14="http://schemas.microsoft.com/office/drawing/2010/main" val="0"/>
-              </a:ext>
-            </a:extLst>
-          </a:blip>
-          <a:srcRect/>
-          <a:stretch>
-            <a:fillRect/>
-          </a:stretch>
-        </p:blipFill>
-        <p:spPr bwMode="auto">
-          <a:xfrm>
-            <a:off x="392905" y="3325954"/>
-            <a:ext cx="8626067" cy="2354409"/>
-          </a:xfrm>
-          <a:prstGeom prst="rect">
-            <a:avLst/>
-          </a:prstGeom>
-          <a:noFill/>
-          <a:extLst>
-            <a:ext uri="{909E8E84-426E-40DD-AFC4-6F175D3DCCD1}">
-              <a14:hiddenFill xmlns:a14="http://schemas.microsoft.com/office/drawing/2010/main">
-                <a:solidFill>
-                  <a:srgbClr val="FFFFFF"/>
-                </a:solidFill>
-              </a14:hiddenFill>
-            </a:ext>
-          </a:extLst>
-        </p:spPr>
-      </p:pic>
-      <p:pic>
-        <p:nvPicPr>
-          <p:cNvPr id="3074" name="Picture 2" descr="mage result for mnist"/>
-          <p:cNvPicPr>
-            <a:picLocks noChangeAspect="1" noChangeArrowheads="1"/>
-          </p:cNvPicPr>
-          <p:nvPr/>
-        </p:nvPicPr>
-        <p:blipFill>
-          <a:blip r:embed="rId4">
             <a:extLst>
               <a:ext uri="{28A0092B-C50C-407E-A947-70E740481C1C}">
                 <a14:useLocalDpi xmlns:a14="http://schemas.microsoft.com/office/drawing/2010/main" val="0"/>
@@ -15434,6 +15400,30 @@
               </a14:hiddenFill>
             </a:ext>
           </a:extLst>
+        </p:spPr>
+      </p:pic>
+      <p:pic>
+        <p:nvPicPr>
+          <p:cNvPr id="2" name="Picture 1"/>
+          <p:cNvPicPr>
+            <a:picLocks noChangeAspect="1"/>
+          </p:cNvPicPr>
+          <p:nvPr/>
+        </p:nvPicPr>
+        <p:blipFill>
+          <a:blip r:embed="rId4"/>
+          <a:stretch>
+            <a:fillRect/>
+          </a:stretch>
+        </p:blipFill>
+        <p:spPr>
+          <a:xfrm>
+            <a:off x="377031" y="3179099"/>
+            <a:ext cx="8128000" cy="2667000"/>
+          </a:xfrm>
+          <a:prstGeom prst="rect">
+            <a:avLst/>
+          </a:prstGeom>
         </p:spPr>
       </p:pic>
     </p:spTree>
@@ -22773,6 +22763,13 @@
   <p:clrMapOvr>
     <a:masterClrMapping/>
   </p:clrMapOvr>
+  <p:timing>
+    <p:tnLst>
+      <p:par>
+        <p:cTn id="1" dur="indefinite" restart="never" nodeType="tmRoot"/>
+      </p:par>
+    </p:tnLst>
+  </p:timing>
 </p:sld>
 </file>
 
@@ -22957,6 +22954,13 @@
   <p:clrMapOvr>
     <a:masterClrMapping/>
   </p:clrMapOvr>
+  <p:timing>
+    <p:tnLst>
+      <p:par>
+        <p:cTn id="1" dur="indefinite" restart="never" nodeType="tmRoot"/>
+      </p:par>
+    </p:tnLst>
+  </p:timing>
 </p:sld>
 </file>
 
@@ -23955,6 +23959,13 @@
   <p:clrMapOvr>
     <a:masterClrMapping/>
   </p:clrMapOvr>
+  <p:timing>
+    <p:tnLst>
+      <p:par>
+        <p:cTn id="1" dur="indefinite" restart="never" nodeType="tmRoot"/>
+      </p:par>
+    </p:tnLst>
+  </p:timing>
 </p:sld>
 </file>
 
@@ -24619,6 +24630,13 @@
   <p:clrMapOvr>
     <a:masterClrMapping/>
   </p:clrMapOvr>
+  <p:timing>
+    <p:tnLst>
+      <p:par>
+        <p:cTn id="1" dur="indefinite" restart="never" nodeType="tmRoot"/>
+      </p:par>
+    </p:tnLst>
+  </p:timing>
 </p:sld>
 </file>
 
@@ -25300,6 +25318,13 @@
   <p:clrMapOvr>
     <a:masterClrMapping/>
   </p:clrMapOvr>
+  <p:timing>
+    <p:tnLst>
+      <p:par>
+        <p:cTn id="1" dur="indefinite" restart="never" nodeType="tmRoot"/>
+      </p:par>
+    </p:tnLst>
+  </p:timing>
 </p:sld>
 </file>
 
@@ -26689,6 +26714,13 @@
   <p:clrMapOvr>
     <a:masterClrMapping/>
   </p:clrMapOvr>
+  <p:timing>
+    <p:tnLst>
+      <p:par>
+        <p:cTn id="1" dur="indefinite" restart="never" nodeType="tmRoot"/>
+      </p:par>
+    </p:tnLst>
+  </p:timing>
 </p:sld>
 </file>
 
@@ -27608,6 +27640,13 @@
   <p:clrMapOvr>
     <a:masterClrMapping/>
   </p:clrMapOvr>
+  <p:timing>
+    <p:tnLst>
+      <p:par>
+        <p:cTn id="1" dur="indefinite" restart="never" nodeType="tmRoot"/>
+      </p:par>
+    </p:tnLst>
+  </p:timing>
 </p:sld>
 </file>
 
@@ -27979,6 +28018,13 @@
   <p:clrMapOvr>
     <a:masterClrMapping/>
   </p:clrMapOvr>
+  <p:timing>
+    <p:tnLst>
+      <p:par>
+        <p:cTn id="1" dur="indefinite" restart="never" nodeType="tmRoot"/>
+      </p:par>
+    </p:tnLst>
+  </p:timing>
 </p:sld>
 </file>
 
@@ -28849,22 +28895,33 @@
                 <a:latin typeface="Arial" panose="020B0604020202020204" pitchFamily="34" charset="0"/>
                 <a:cs typeface="Arial" panose="020B0604020202020204" pitchFamily="34" charset="0"/>
               </a:rPr>
-              <a:t>, padding='same', </a:t>
-            </a:r>
-            <a:r>
-              <a:rPr lang="en-US" sz="2000" i="0" dirty="0" err="1">
+              <a:t>, </a:t>
+            </a:r>
+            <a:r>
+              <a:rPr lang="en-US" sz="2000" i="0" dirty="0" smtClean="0">
                 <a:latin typeface="Arial" panose="020B0604020202020204" pitchFamily="34" charset="0"/>
                 <a:cs typeface="Arial" panose="020B0604020202020204" pitchFamily="34" charset="0"/>
               </a:rPr>
+              <a:t>padding=valid', </a:t>
+            </a:r>
+            <a:r>
+              <a:rPr lang="en-US" sz="2000" i="0" dirty="0" err="1" smtClean="0">
+                <a:latin typeface="Arial" panose="020B0604020202020204" pitchFamily="34" charset="0"/>
+                <a:cs typeface="Arial" panose="020B0604020202020204" pitchFamily="34" charset="0"/>
+              </a:rPr>
               <a:t>kernel_regularizer</a:t>
             </a:r>
             <a:r>
-              <a:rPr lang="en-US" sz="2000" i="0" dirty="0">
+              <a:rPr lang="en-US" sz="2000" i="0" dirty="0" smtClean="0">
                 <a:latin typeface="Arial" panose="020B0604020202020204" pitchFamily="34" charset="0"/>
                 <a:cs typeface="Arial" panose="020B0604020202020204" pitchFamily="34" charset="0"/>
               </a:rPr>
               <a:t>=l2(l2_reg))) </a:t>
             </a:r>
+            <a:endParaRPr lang="en-US" sz="2000" i="0" dirty="0">
+              <a:latin typeface="Arial" panose="020B0604020202020204" pitchFamily="34" charset="0"/>
+              <a:cs typeface="Arial" panose="020B0604020202020204" pitchFamily="34" charset="0"/>
+            </a:endParaRPr>
           </a:p>
           <a:p>
             <a:pPr marL="355600" indent="-355600">
@@ -28925,46 +28982,65 @@
               <a:t>relu</a:t>
             </a:r>
             <a:r>
+              <a:rPr lang="en-US" sz="2000" i="0" dirty="0" smtClean="0">
+                <a:latin typeface="Arial" panose="020B0604020202020204" pitchFamily="34" charset="0"/>
+                <a:cs typeface="Arial" panose="020B0604020202020204" pitchFamily="34" charset="0"/>
+              </a:rPr>
+              <a:t>'))</a:t>
+            </a:r>
+          </a:p>
+          <a:p>
+            <a:pPr marL="355600" indent="-355600">
+              <a:buNone/>
+            </a:pPr>
+            <a:r>
+              <a:rPr lang="en-US" sz="2000" i="0" dirty="0" err="1" smtClean="0">
+                <a:latin typeface="Arial" panose="020B0604020202020204" pitchFamily="34" charset="0"/>
+                <a:cs typeface="Arial" panose="020B0604020202020204" pitchFamily="34" charset="0"/>
+              </a:rPr>
+              <a:t>alexnet.add</a:t>
+            </a:r>
+            <a:r>
+              <a:rPr lang="en-US" sz="2000" i="0" dirty="0" smtClean="0">
+                <a:latin typeface="Arial" panose="020B0604020202020204" pitchFamily="34" charset="0"/>
+                <a:cs typeface="Arial" panose="020B0604020202020204" pitchFamily="34" charset="0"/>
+              </a:rPr>
+              <a:t>(MaxPooling2D(</a:t>
+            </a:r>
+            <a:r>
+              <a:rPr lang="mr-IN" sz="2000" i="0" dirty="0" err="1">
+                <a:latin typeface="Arial" panose="020B0604020202020204" pitchFamily="34" charset="0"/>
+                <a:cs typeface="Arial" panose="020B0604020202020204" pitchFamily="34" charset="0"/>
+              </a:rPr>
+              <a:t>strides</a:t>
+            </a:r>
+            <a:r>
+              <a:rPr lang="mr-IN" sz="2000" i="0" dirty="0" smtClean="0">
+                <a:latin typeface="Arial" panose="020B0604020202020204" pitchFamily="34" charset="0"/>
+                <a:cs typeface="Arial" panose="020B0604020202020204" pitchFamily="34" charset="0"/>
+              </a:rPr>
+              <a:t>=(4</a:t>
+            </a:r>
+            <a:r>
+              <a:rPr lang="mr-IN" sz="2000" i="0" dirty="0">
+                <a:latin typeface="Arial" panose="020B0604020202020204" pitchFamily="34" charset="0"/>
+                <a:cs typeface="Arial" panose="020B0604020202020204" pitchFamily="34" charset="0"/>
+              </a:rPr>
+              <a:t>, 4</a:t>
+            </a:r>
+            <a:r>
+              <a:rPr lang="mr-IN" sz="2000" i="0" dirty="0">
+                <a:latin typeface="Arial" panose="020B0604020202020204" pitchFamily="34" charset="0"/>
+                <a:cs typeface="Arial" panose="020B0604020202020204" pitchFamily="34" charset="0"/>
+              </a:rPr>
+              <a:t>)</a:t>
+            </a:r>
+            <a:r>
               <a:rPr lang="en-US" sz="2000" i="0" dirty="0">
                 <a:latin typeface="Arial" panose="020B0604020202020204" pitchFamily="34" charset="0"/>
                 <a:cs typeface="Arial" panose="020B0604020202020204" pitchFamily="34" charset="0"/>
               </a:rPr>
-              <a:t>')) </a:t>
-            </a:r>
-            <a:r>
-              <a:rPr lang="en-US" sz="2000" i="0" dirty="0" err="1">
-                <a:latin typeface="Arial" panose="020B0604020202020204" pitchFamily="34" charset="0"/>
-                <a:cs typeface="Arial" panose="020B0604020202020204" pitchFamily="34" charset="0"/>
-              </a:rPr>
-              <a:t>alexnet.add</a:t>
-            </a:r>
-            <a:r>
-              <a:rPr lang="en-US" sz="2000" i="0" dirty="0">
-                <a:latin typeface="Arial" panose="020B0604020202020204" pitchFamily="34" charset="0"/>
-                <a:cs typeface="Arial" panose="020B0604020202020204" pitchFamily="34" charset="0"/>
-              </a:rPr>
-              <a:t>(MaxPooling2D(</a:t>
-            </a:r>
-            <a:r>
-              <a:rPr lang="en-US" sz="2000" i="0" dirty="0" err="1">
-                <a:latin typeface="Arial" panose="020B0604020202020204" pitchFamily="34" charset="0"/>
-                <a:cs typeface="Arial" panose="020B0604020202020204" pitchFamily="34" charset="0"/>
-              </a:rPr>
-              <a:t>pool_size</a:t>
-            </a:r>
-            <a:r>
-              <a:rPr lang="en-US" sz="2000" i="0" dirty="0">
-                <a:latin typeface="Arial" panose="020B0604020202020204" pitchFamily="34" charset="0"/>
-                <a:cs typeface="Arial" panose="020B0604020202020204" pitchFamily="34" charset="0"/>
-              </a:rPr>
-              <a:t>=(2, 2</a:t>
-            </a:r>
-            <a:r>
-              <a:rPr lang="en-US" sz="2000" i="0" dirty="0" smtClean="0">
-                <a:latin typeface="Arial" panose="020B0604020202020204" pitchFamily="34" charset="0"/>
-                <a:cs typeface="Arial" panose="020B0604020202020204" pitchFamily="34" charset="0"/>
-              </a:rPr>
-              <a:t>)))</a:t>
+              <a:t>))</a:t>
             </a:r>
           </a:p>
           <a:p>
@@ -29349,7 +29425,31 @@
               <a:rPr lang="en-US" sz="2000" i="0" dirty="0" smtClean="0">
                 <a:cs typeface="Arial" panose="020B0604020202020204" pitchFamily="34" charset="0"/>
               </a:rPr>
-              <a:t>224 /4 = 55</a:t>
+              <a:t>(224-11) </a:t>
+            </a:r>
+            <a:r>
+              <a:rPr lang="en-US" sz="2000" i="0" dirty="0" smtClean="0">
+                <a:cs typeface="Arial" panose="020B0604020202020204" pitchFamily="34" charset="0"/>
+              </a:rPr>
+              <a:t>/</a:t>
+            </a:r>
+            <a:r>
+              <a:rPr lang="en-US" sz="2000" i="0" dirty="0" smtClean="0">
+                <a:cs typeface="Arial" panose="020B0604020202020204" pitchFamily="34" charset="0"/>
+              </a:rPr>
+              <a:t>4+1 </a:t>
+            </a:r>
+            <a:r>
+              <a:rPr lang="en-US" sz="2000" i="0" dirty="0" smtClean="0">
+                <a:cs typeface="Arial" panose="020B0604020202020204" pitchFamily="34" charset="0"/>
+              </a:rPr>
+              <a:t>= </a:t>
+            </a:r>
+            <a:r>
+              <a:rPr lang="en-US" sz="2000" i="0" dirty="0" smtClean="0">
+                <a:cs typeface="Arial" panose="020B0604020202020204" pitchFamily="34" charset="0"/>
+              </a:rPr>
+              <a:t>55</a:t>
             </a:r>
           </a:p>
           <a:p>
@@ -29361,7 +29461,37 @@
               <a:rPr lang="en-US" sz="2000" i="0" dirty="0" smtClean="0">
                 <a:cs typeface="Arial" panose="020B0604020202020204" pitchFamily="34" charset="0"/>
               </a:rPr>
-              <a:t>Output size (55 x 55 x 96)</a:t>
+              <a:t>Output </a:t>
+            </a:r>
+            <a:r>
+              <a:rPr lang="en-US" sz="2000" i="0" dirty="0" smtClean="0">
+                <a:cs typeface="Arial" panose="020B0604020202020204" pitchFamily="34" charset="0"/>
+              </a:rPr>
+              <a:t>size (</a:t>
+            </a:r>
+            <a:r>
+              <a:rPr lang="en-US" sz="2000" i="0" dirty="0" smtClean="0">
+                <a:cs typeface="Arial" panose="020B0604020202020204" pitchFamily="34" charset="0"/>
+              </a:rPr>
+              <a:t>56 </a:t>
+            </a:r>
+            <a:r>
+              <a:rPr lang="en-US" sz="2000" i="0" dirty="0" smtClean="0">
+                <a:cs typeface="Arial" panose="020B0604020202020204" pitchFamily="34" charset="0"/>
+              </a:rPr>
+              <a:t>x </a:t>
+            </a:r>
+            <a:r>
+              <a:rPr lang="en-US" sz="2000" i="0" dirty="0" smtClean="0">
+                <a:cs typeface="Arial" panose="020B0604020202020204" pitchFamily="34" charset="0"/>
+              </a:rPr>
+              <a:t>56 </a:t>
+            </a:r>
+            <a:r>
+              <a:rPr lang="en-US" sz="2000" i="0" dirty="0" smtClean="0">
+                <a:cs typeface="Arial" panose="020B0604020202020204" pitchFamily="34" charset="0"/>
+              </a:rPr>
+              <a:t>x 96)</a:t>
             </a:r>
           </a:p>
           <a:p>
@@ -29424,7 +29554,13 @@
               <a:rPr lang="en-US" sz="2000" i="0" dirty="0" smtClean="0">
                 <a:cs typeface="Arial" panose="020B0604020202020204" pitchFamily="34" charset="0"/>
               </a:rPr>
-              <a:t>55/2 = 27</a:t>
+              <a:t>55/2 </a:t>
+            </a:r>
+            <a:r>
+              <a:rPr lang="en-US" sz="2000" i="0" dirty="0" smtClean="0">
+                <a:cs typeface="Arial" panose="020B0604020202020204" pitchFamily="34" charset="0"/>
+              </a:rPr>
+              <a:t>= 27</a:t>
             </a:r>
           </a:p>
           <a:p>

--- a/lecture/lecture5_llcao.pptx
+++ b/lecture/lecture5_llcao.pptx
@@ -3285,14 +3285,14 @@
           <a:effectLst/>
           <a:extLst>
             <a:ext uri="{909E8E84-426E-40dd-AFC4-6F175D3DCCD1}">
-              <a14:hiddenFill xmlns="" xmlns:a14="http://schemas.microsoft.com/office/drawing/2010/main">
+              <a14:hiddenFill xmlns:a14="http://schemas.microsoft.com/office/drawing/2010/main" xmlns="">
                 <a:solidFill>
                   <a:schemeClr val="accent1"/>
                 </a:solidFill>
               </a14:hiddenFill>
             </a:ext>
             <a:ext uri="{91240B29-F687-4f45-9708-019B960494DF}">
-              <a14:hiddenLine xmlns="" xmlns:a14="http://schemas.microsoft.com/office/drawing/2010/main" w="9525">
+              <a14:hiddenLine xmlns:a14="http://schemas.microsoft.com/office/drawing/2010/main" xmlns="" w="9525">
                 <a:solidFill>
                   <a:schemeClr val="tx1"/>
                 </a:solidFill>
@@ -3302,7 +3302,7 @@
               </a14:hiddenLine>
             </a:ext>
             <a:ext uri="{AF507438-7753-43e0-B8FC-AC1667EBCBE1}">
-              <a14:hiddenEffects xmlns="" xmlns:a14="http://schemas.microsoft.com/office/drawing/2010/main">
+              <a14:hiddenEffects xmlns:a14="http://schemas.microsoft.com/office/drawing/2010/main" xmlns="">
                 <a:effectLst>
                   <a:outerShdw dist="35921" dir="2700000" algn="ctr" rotWithShape="0">
                     <a:schemeClr val="bg2"/>
@@ -3360,14 +3360,14 @@
           <a:effectLst/>
           <a:extLst>
             <a:ext uri="{909E8E84-426E-40dd-AFC4-6F175D3DCCD1}">
-              <a14:hiddenFill xmlns="" xmlns:a14="http://schemas.microsoft.com/office/drawing/2010/main">
+              <a14:hiddenFill xmlns:a14="http://schemas.microsoft.com/office/drawing/2010/main" xmlns="">
                 <a:solidFill>
                   <a:schemeClr val="accent1"/>
                 </a:solidFill>
               </a14:hiddenFill>
             </a:ext>
             <a:ext uri="{91240B29-F687-4f45-9708-019B960494DF}">
-              <a14:hiddenLine xmlns="" xmlns:a14="http://schemas.microsoft.com/office/drawing/2010/main" w="9525">
+              <a14:hiddenLine xmlns:a14="http://schemas.microsoft.com/office/drawing/2010/main" xmlns="" w="9525">
                 <a:solidFill>
                   <a:schemeClr val="tx1"/>
                 </a:solidFill>
@@ -3377,7 +3377,7 @@
               </a14:hiddenLine>
             </a:ext>
             <a:ext uri="{AF507438-7753-43e0-B8FC-AC1667EBCBE1}">
-              <a14:hiddenEffects xmlns="" xmlns:a14="http://schemas.microsoft.com/office/drawing/2010/main">
+              <a14:hiddenEffects xmlns:a14="http://schemas.microsoft.com/office/drawing/2010/main" xmlns="">
                 <a:effectLst>
                   <a:outerShdw dist="35921" dir="2700000" algn="ctr" rotWithShape="0">
                     <a:schemeClr val="bg2"/>
@@ -3435,14 +3435,14 @@
           <a:effectLst/>
           <a:extLst>
             <a:ext uri="{909E8E84-426E-40dd-AFC4-6F175D3DCCD1}">
-              <a14:hiddenFill xmlns="" xmlns:a14="http://schemas.microsoft.com/office/drawing/2010/main">
+              <a14:hiddenFill xmlns:a14="http://schemas.microsoft.com/office/drawing/2010/main" xmlns="">
                 <a:solidFill>
                   <a:schemeClr val="accent1"/>
                 </a:solidFill>
               </a14:hiddenFill>
             </a:ext>
             <a:ext uri="{91240B29-F687-4f45-9708-019B960494DF}">
-              <a14:hiddenLine xmlns="" xmlns:a14="http://schemas.microsoft.com/office/drawing/2010/main" w="9525">
+              <a14:hiddenLine xmlns:a14="http://schemas.microsoft.com/office/drawing/2010/main" xmlns="" w="9525">
                 <a:solidFill>
                   <a:schemeClr val="tx1"/>
                 </a:solidFill>
@@ -3452,7 +3452,7 @@
               </a14:hiddenLine>
             </a:ext>
             <a:ext uri="{AF507438-7753-43e0-B8FC-AC1667EBCBE1}">
-              <a14:hiddenEffects xmlns="" xmlns:a14="http://schemas.microsoft.com/office/drawing/2010/main">
+              <a14:hiddenEffects xmlns:a14="http://schemas.microsoft.com/office/drawing/2010/main" xmlns="">
                 <a:effectLst>
                   <a:outerShdw dist="35921" dir="2700000" algn="ctr" rotWithShape="0">
                     <a:schemeClr val="bg2"/>
@@ -3510,14 +3510,14 @@
           <a:effectLst/>
           <a:extLst>
             <a:ext uri="{909E8E84-426E-40dd-AFC4-6F175D3DCCD1}">
-              <a14:hiddenFill xmlns="" xmlns:a14="http://schemas.microsoft.com/office/drawing/2010/main">
+              <a14:hiddenFill xmlns:a14="http://schemas.microsoft.com/office/drawing/2010/main" xmlns="">
                 <a:solidFill>
                   <a:schemeClr val="accent1"/>
                 </a:solidFill>
               </a14:hiddenFill>
             </a:ext>
             <a:ext uri="{91240B29-F687-4f45-9708-019B960494DF}">
-              <a14:hiddenLine xmlns="" xmlns:a14="http://schemas.microsoft.com/office/drawing/2010/main" w="9525">
+              <a14:hiddenLine xmlns:a14="http://schemas.microsoft.com/office/drawing/2010/main" xmlns="" w="9525">
                 <a:solidFill>
                   <a:schemeClr val="tx1"/>
                 </a:solidFill>
@@ -3527,7 +3527,7 @@
               </a14:hiddenLine>
             </a:ext>
             <a:ext uri="{AF507438-7753-43e0-B8FC-AC1667EBCBE1}">
-              <a14:hiddenEffects xmlns="" xmlns:a14="http://schemas.microsoft.com/office/drawing/2010/main">
+              <a14:hiddenEffects xmlns:a14="http://schemas.microsoft.com/office/drawing/2010/main" xmlns="">
                 <a:effectLst>
                   <a:outerShdw dist="35921" dir="2700000" algn="ctr" rotWithShape="0">
                     <a:schemeClr val="bg2"/>
@@ -3626,14 +3626,14 @@
           <a:effectLst/>
           <a:extLst>
             <a:ext uri="{909E8E84-426E-40dd-AFC4-6F175D3DCCD1}">
-              <a14:hiddenFill xmlns="" xmlns:a14="http://schemas.microsoft.com/office/drawing/2010/main">
+              <a14:hiddenFill xmlns:a14="http://schemas.microsoft.com/office/drawing/2010/main" xmlns="">
                 <a:solidFill>
                   <a:schemeClr val="accent1"/>
                 </a:solidFill>
               </a14:hiddenFill>
             </a:ext>
             <a:ext uri="{91240B29-F687-4f45-9708-019B960494DF}">
-              <a14:hiddenLine xmlns="" xmlns:a14="http://schemas.microsoft.com/office/drawing/2010/main" w="9525">
+              <a14:hiddenLine xmlns:a14="http://schemas.microsoft.com/office/drawing/2010/main" xmlns="" w="9525">
                 <a:solidFill>
                   <a:schemeClr val="tx1"/>
                 </a:solidFill>
@@ -3643,7 +3643,7 @@
               </a14:hiddenLine>
             </a:ext>
             <a:ext uri="{AF507438-7753-43e0-B8FC-AC1667EBCBE1}">
-              <a14:hiddenEffects xmlns="" xmlns:a14="http://schemas.microsoft.com/office/drawing/2010/main">
+              <a14:hiddenEffects xmlns:a14="http://schemas.microsoft.com/office/drawing/2010/main" xmlns="">
                 <a:effectLst>
                   <a:outerShdw dist="35921" dir="2700000" algn="ctr" rotWithShape="0">
                     <a:schemeClr val="bg2"/>
@@ -3701,14 +3701,14 @@
           <a:effectLst/>
           <a:extLst>
             <a:ext uri="{909E8E84-426E-40dd-AFC4-6F175D3DCCD1}">
-              <a14:hiddenFill xmlns="" xmlns:a14="http://schemas.microsoft.com/office/drawing/2010/main">
+              <a14:hiddenFill xmlns:a14="http://schemas.microsoft.com/office/drawing/2010/main" xmlns="">
                 <a:solidFill>
                   <a:schemeClr val="accent1"/>
                 </a:solidFill>
               </a14:hiddenFill>
             </a:ext>
             <a:ext uri="{91240B29-F687-4f45-9708-019B960494DF}">
-              <a14:hiddenLine xmlns="" xmlns:a14="http://schemas.microsoft.com/office/drawing/2010/main" w="9525">
+              <a14:hiddenLine xmlns:a14="http://schemas.microsoft.com/office/drawing/2010/main" xmlns="" w="9525">
                 <a:solidFill>
                   <a:schemeClr val="tx1"/>
                 </a:solidFill>
@@ -3718,7 +3718,7 @@
               </a14:hiddenLine>
             </a:ext>
             <a:ext uri="{AF507438-7753-43e0-B8FC-AC1667EBCBE1}">
-              <a14:hiddenEffects xmlns="" xmlns:a14="http://schemas.microsoft.com/office/drawing/2010/main">
+              <a14:hiddenEffects xmlns:a14="http://schemas.microsoft.com/office/drawing/2010/main" xmlns="">
                 <a:effectLst>
                   <a:outerShdw dist="35921" dir="2700000" algn="ctr" rotWithShape="0">
                     <a:schemeClr val="bg2"/>
@@ -3781,14 +3781,14 @@
           <a:effectLst/>
           <a:extLst>
             <a:ext uri="{909E8E84-426E-40dd-AFC4-6F175D3DCCD1}">
-              <a14:hiddenFill xmlns="" xmlns:a14="http://schemas.microsoft.com/office/drawing/2010/main">
+              <a14:hiddenFill xmlns:a14="http://schemas.microsoft.com/office/drawing/2010/main" xmlns="">
                 <a:solidFill>
                   <a:srgbClr val="FFFFFF"/>
                 </a:solidFill>
               </a14:hiddenFill>
             </a:ext>
             <a:ext uri="{AF507438-7753-43e0-B8FC-AC1667EBCBE1}">
-              <a14:hiddenEffects xmlns="" xmlns:a14="http://schemas.microsoft.com/office/drawing/2010/main">
+              <a14:hiddenEffects xmlns:a14="http://schemas.microsoft.com/office/drawing/2010/main" xmlns="">
                 <a:effectLst>
                   <a:outerShdw dist="35921" dir="2700000" algn="ctr" rotWithShape="0">
                     <a:srgbClr val="808080"/>
@@ -3797,7 +3797,7 @@
               </a14:hiddenEffects>
             </a:ext>
             <a:ext uri="{53640926-AAD7-44d8-BBD7-CCE9431645EC}">
-              <a14:shadowObscured xmlns="" xmlns:a14="http://schemas.microsoft.com/office/drawing/2010/main" val="1"/>
+              <a14:shadowObscured xmlns:a14="http://schemas.microsoft.com/office/drawing/2010/main" xmlns="" val="1"/>
             </a:ext>
           </a:extLst>
         </p:spPr>
@@ -3827,14 +3827,14 @@
           <a:effectLst/>
           <a:extLst>
             <a:ext uri="{909E8E84-426E-40dd-AFC4-6F175D3DCCD1}">
-              <a14:hiddenFill xmlns="" xmlns:a14="http://schemas.microsoft.com/office/drawing/2010/main">
+              <a14:hiddenFill xmlns:a14="http://schemas.microsoft.com/office/drawing/2010/main" xmlns="">
                 <a:solidFill>
                   <a:schemeClr val="accent1"/>
                 </a:solidFill>
               </a14:hiddenFill>
             </a:ext>
             <a:ext uri="{91240B29-F687-4f45-9708-019B960494DF}">
-              <a14:hiddenLine xmlns="" xmlns:a14="http://schemas.microsoft.com/office/drawing/2010/main" w="9525">
+              <a14:hiddenLine xmlns:a14="http://schemas.microsoft.com/office/drawing/2010/main" xmlns="" w="9525">
                 <a:solidFill>
                   <a:schemeClr val="tx1"/>
                 </a:solidFill>
@@ -3844,7 +3844,7 @@
               </a14:hiddenLine>
             </a:ext>
             <a:ext uri="{AF507438-7753-43e0-B8FC-AC1667EBCBE1}">
-              <a14:hiddenEffects xmlns="" xmlns:a14="http://schemas.microsoft.com/office/drawing/2010/main">
+              <a14:hiddenEffects xmlns:a14="http://schemas.microsoft.com/office/drawing/2010/main" xmlns="">
                 <a:effectLst>
                   <a:outerShdw dist="35921" dir="2700000" algn="ctr" rotWithShape="0">
                     <a:schemeClr val="bg2"/>
@@ -3923,14 +3923,14 @@
           <a:effectLst/>
           <a:extLst>
             <a:ext uri="{909E8E84-426E-40dd-AFC4-6F175D3DCCD1}">
-              <a14:hiddenFill xmlns="" xmlns:a14="http://schemas.microsoft.com/office/drawing/2010/main">
+              <a14:hiddenFill xmlns:a14="http://schemas.microsoft.com/office/drawing/2010/main" xmlns="">
                 <a:solidFill>
                   <a:schemeClr val="accent1"/>
                 </a:solidFill>
               </a14:hiddenFill>
             </a:ext>
             <a:ext uri="{91240B29-F687-4f45-9708-019B960494DF}">
-              <a14:hiddenLine xmlns="" xmlns:a14="http://schemas.microsoft.com/office/drawing/2010/main" w="9525">
+              <a14:hiddenLine xmlns:a14="http://schemas.microsoft.com/office/drawing/2010/main" xmlns="" w="9525">
                 <a:solidFill>
                   <a:schemeClr val="tx1"/>
                 </a:solidFill>
@@ -3940,7 +3940,7 @@
               </a14:hiddenLine>
             </a:ext>
             <a:ext uri="{AF507438-7753-43e0-B8FC-AC1667EBCBE1}">
-              <a14:hiddenEffects xmlns="" xmlns:a14="http://schemas.microsoft.com/office/drawing/2010/main">
+              <a14:hiddenEffects xmlns:a14="http://schemas.microsoft.com/office/drawing/2010/main" xmlns="">
                 <a:effectLst>
                   <a:outerShdw dist="35921" dir="2700000" algn="ctr" rotWithShape="0">
                     <a:schemeClr val="bg2"/>
@@ -3998,14 +3998,14 @@
           <a:effectLst/>
           <a:extLst>
             <a:ext uri="{909E8E84-426E-40dd-AFC4-6F175D3DCCD1}">
-              <a14:hiddenFill xmlns="" xmlns:a14="http://schemas.microsoft.com/office/drawing/2010/main">
+              <a14:hiddenFill xmlns:a14="http://schemas.microsoft.com/office/drawing/2010/main" xmlns="">
                 <a:solidFill>
                   <a:schemeClr val="accent1"/>
                 </a:solidFill>
               </a14:hiddenFill>
             </a:ext>
             <a:ext uri="{91240B29-F687-4f45-9708-019B960494DF}">
-              <a14:hiddenLine xmlns="" xmlns:a14="http://schemas.microsoft.com/office/drawing/2010/main" w="9525">
+              <a14:hiddenLine xmlns:a14="http://schemas.microsoft.com/office/drawing/2010/main" xmlns="" w="9525">
                 <a:solidFill>
                   <a:schemeClr val="tx1"/>
                 </a:solidFill>
@@ -4015,7 +4015,7 @@
               </a14:hiddenLine>
             </a:ext>
             <a:ext uri="{AF507438-7753-43e0-B8FC-AC1667EBCBE1}">
-              <a14:hiddenEffects xmlns="" xmlns:a14="http://schemas.microsoft.com/office/drawing/2010/main">
+              <a14:hiddenEffects xmlns:a14="http://schemas.microsoft.com/office/drawing/2010/main" xmlns="">
                 <a:effectLst>
                   <a:outerShdw dist="35921" dir="2700000" algn="ctr" rotWithShape="0">
                     <a:schemeClr val="bg2"/>
@@ -13228,14 +13228,14 @@
           </a:ln>
           <a:extLst>
             <a:ext uri="{909E8E84-426E-40dd-AFC4-6F175D3DCCD1}">
-              <a14:hiddenFill xmlns="" xmlns:a14="http://schemas.microsoft.com/office/drawing/2010/main">
+              <a14:hiddenFill xmlns:a14="http://schemas.microsoft.com/office/drawing/2010/main" xmlns="">
                 <a:solidFill>
                   <a:srgbClr val="FFFFFF"/>
                 </a:solidFill>
               </a14:hiddenFill>
             </a:ext>
             <a:ext uri="{91240B29-F687-4f45-9708-019B960494DF}">
-              <a14:hiddenLine xmlns="" xmlns:a14="http://schemas.microsoft.com/office/drawing/2010/main" w="9525">
+              <a14:hiddenLine xmlns:a14="http://schemas.microsoft.com/office/drawing/2010/main" xmlns="" w="9525">
                 <a:solidFill>
                   <a:srgbClr val="000000"/>
                 </a:solidFill>
@@ -13286,14 +13286,14 @@
           </a:ln>
           <a:extLst>
             <a:ext uri="{909E8E84-426E-40dd-AFC4-6F175D3DCCD1}">
-              <a14:hiddenFill xmlns="" xmlns:a14="http://schemas.microsoft.com/office/drawing/2010/main">
+              <a14:hiddenFill xmlns:a14="http://schemas.microsoft.com/office/drawing/2010/main" xmlns="">
                 <a:solidFill>
                   <a:srgbClr val="FFFFFF"/>
                 </a:solidFill>
               </a14:hiddenFill>
             </a:ext>
             <a:ext uri="{91240B29-F687-4f45-9708-019B960494DF}">
-              <a14:hiddenLine xmlns="" xmlns:a14="http://schemas.microsoft.com/office/drawing/2010/main" w="9525">
+              <a14:hiddenLine xmlns:a14="http://schemas.microsoft.com/office/drawing/2010/main" xmlns="" w="9525">
                 <a:solidFill>
                   <a:srgbClr val="000000"/>
                 </a:solidFill>
@@ -13373,14 +13373,14 @@
           <a:effectLst/>
           <a:extLst>
             <a:ext uri="{909E8E84-426E-40dd-AFC4-6F175D3DCCD1}">
-              <a14:hiddenFill xmlns="" xmlns:a14="http://schemas.microsoft.com/office/drawing/2010/main">
+              <a14:hiddenFill xmlns:a14="http://schemas.microsoft.com/office/drawing/2010/main" xmlns="">
                 <a:solidFill>
                   <a:schemeClr val="accent1"/>
                 </a:solidFill>
               </a14:hiddenFill>
             </a:ext>
             <a:ext uri="{91240B29-F687-4f45-9708-019B960494DF}">
-              <a14:hiddenLine xmlns="" xmlns:a14="http://schemas.microsoft.com/office/drawing/2010/main" w="9525">
+              <a14:hiddenLine xmlns:a14="http://schemas.microsoft.com/office/drawing/2010/main" xmlns="" w="9525">
                 <a:solidFill>
                   <a:schemeClr val="tx1"/>
                 </a:solidFill>
@@ -13390,7 +13390,7 @@
               </a14:hiddenLine>
             </a:ext>
             <a:ext uri="{AF507438-7753-43e0-B8FC-AC1667EBCBE1}">
-              <a14:hiddenEffects xmlns="" xmlns:a14="http://schemas.microsoft.com/office/drawing/2010/main">
+              <a14:hiddenEffects xmlns:a14="http://schemas.microsoft.com/office/drawing/2010/main" xmlns="">
                 <a:effectLst>
                   <a:outerShdw dist="35921" dir="2700000" algn="ctr" rotWithShape="0">
                     <a:schemeClr val="bg2"/>
@@ -14192,14 +14192,14 @@
           <a:effectLst/>
           <a:extLst>
             <a:ext uri="{909E8E84-426E-40dd-AFC4-6F175D3DCCD1}">
-              <a14:hiddenFill xmlns="" xmlns:a14="http://schemas.microsoft.com/office/drawing/2010/main">
+              <a14:hiddenFill xmlns:a14="http://schemas.microsoft.com/office/drawing/2010/main" xmlns="">
                 <a:solidFill>
                   <a:schemeClr val="accent1"/>
                 </a:solidFill>
               </a14:hiddenFill>
             </a:ext>
             <a:ext uri="{91240B29-F687-4f45-9708-019B960494DF}">
-              <a14:hiddenLine xmlns="" xmlns:a14="http://schemas.microsoft.com/office/drawing/2010/main" w="9525">
+              <a14:hiddenLine xmlns:a14="http://schemas.microsoft.com/office/drawing/2010/main" xmlns="" w="9525">
                 <a:solidFill>
                   <a:schemeClr val="tx1"/>
                 </a:solidFill>
@@ -14209,7 +14209,7 @@
               </a14:hiddenLine>
             </a:ext>
             <a:ext uri="{AF507438-7753-43e0-B8FC-AC1667EBCBE1}">
-              <a14:hiddenEffects xmlns="" xmlns:a14="http://schemas.microsoft.com/office/drawing/2010/main">
+              <a14:hiddenEffects xmlns:a14="http://schemas.microsoft.com/office/drawing/2010/main" xmlns="">
                 <a:effectLst>
                   <a:outerShdw dist="35921" dir="2700000" algn="ctr" rotWithShape="0">
                     <a:schemeClr val="bg2"/>
@@ -14419,14 +14419,14 @@
           <a:effectLst/>
           <a:extLst>
             <a:ext uri="{909E8E84-426E-40dd-AFC4-6F175D3DCCD1}">
-              <a14:hiddenFill xmlns="" xmlns:a14="http://schemas.microsoft.com/office/drawing/2010/main">
+              <a14:hiddenFill xmlns:a14="http://schemas.microsoft.com/office/drawing/2010/main" xmlns="">
                 <a:solidFill>
                   <a:schemeClr val="accent1"/>
                 </a:solidFill>
               </a14:hiddenFill>
             </a:ext>
             <a:ext uri="{91240B29-F687-4f45-9708-019B960494DF}">
-              <a14:hiddenLine xmlns="" xmlns:a14="http://schemas.microsoft.com/office/drawing/2010/main" w="9525">
+              <a14:hiddenLine xmlns:a14="http://schemas.microsoft.com/office/drawing/2010/main" xmlns="" w="9525">
                 <a:solidFill>
                   <a:schemeClr val="tx1"/>
                 </a:solidFill>
@@ -14436,7 +14436,7 @@
               </a14:hiddenLine>
             </a:ext>
             <a:ext uri="{AF507438-7753-43e0-B8FC-AC1667EBCBE1}">
-              <a14:hiddenEffects xmlns="" xmlns:a14="http://schemas.microsoft.com/office/drawing/2010/main">
+              <a14:hiddenEffects xmlns:a14="http://schemas.microsoft.com/office/drawing/2010/main" xmlns="">
                 <a:effectLst>
                   <a:outerShdw dist="35921" dir="2700000" algn="ctr" rotWithShape="0">
                     <a:schemeClr val="bg2"/>
@@ -17181,7 +17181,6 @@
               <a:rPr lang="en-US" i="0" dirty="0" smtClean="0"/>
               <a:t>0</a:t>
             </a:r>
-            <a:endParaRPr lang="en-US" i="0" dirty="0" smtClean="0"/>
           </a:p>
           <a:p>
             <a:pPr marL="514350" indent="-514350">
@@ -18091,7 +18090,15 @@
             </a:pPr>
             <a:r>
               <a:rPr lang="en-US" altLang="zh-CN" sz="2400" i="0" dirty="0" smtClean="0"/>
-              <a:t> No. Small batch size will still work, but make the optimization smaller</a:t>
+              <a:t> No. Small batch size will still work, but make the </a:t>
+            </a:r>
+            <a:r>
+              <a:rPr lang="en-US" altLang="zh-CN" sz="2400" i="0" smtClean="0"/>
+              <a:t>optimization </a:t>
+            </a:r>
+            <a:r>
+              <a:rPr lang="en-US" altLang="zh-CN" sz="2400" i="0" smtClean="0"/>
+              <a:t>slower</a:t>
             </a:r>
             <a:endParaRPr lang="en-US" sz="2400" dirty="0"/>
           </a:p>
@@ -27006,11 +27013,7 @@
             </a:r>
             <a:r>
               <a:rPr lang="en-US" i="0" dirty="0" smtClean="0"/>
-              <a:t> </a:t>
-            </a:r>
-            <a:r>
-              <a:rPr lang="en-US" i="0" dirty="0" smtClean="0"/>
-              <a:t>low level API: </a:t>
+              <a:t> low level API: </a:t>
             </a:r>
             <a:r>
               <a:rPr lang="en-US" i="0" dirty="0"/>
@@ -27036,11 +27039,7 @@
             </a:r>
             <a:r>
               <a:rPr lang="en-US" i="0" dirty="0" smtClean="0"/>
-              <a:t> can generate an iterator of Tensor </a:t>
-            </a:r>
-            <a:r>
-              <a:rPr lang="en-US" i="0" dirty="0" smtClean="0"/>
-              <a:t>objects        </a:t>
+              <a:t> can generate an iterator of Tensor objects        </a:t>
             </a:r>
             <a:r>
               <a:rPr lang="en-US" i="0" dirty="0" smtClean="0">
@@ -29026,14 +29025,7 @@
                 <a:latin typeface="Arial" panose="020B0604020202020204" pitchFamily="34" charset="0"/>
                 <a:cs typeface="Arial" panose="020B0604020202020204" pitchFamily="34" charset="0"/>
               </a:rPr>
-              <a:t>, 4</a:t>
-            </a:r>
-            <a:r>
-              <a:rPr lang="mr-IN" sz="2000" i="0" dirty="0">
-                <a:latin typeface="Arial" panose="020B0604020202020204" pitchFamily="34" charset="0"/>
-                <a:cs typeface="Arial" panose="020B0604020202020204" pitchFamily="34" charset="0"/>
-              </a:rPr>
-              <a:t>)</a:t>
+              <a:t>, 4)</a:t>
             </a:r>
             <a:r>
               <a:rPr lang="en-US" sz="2000" i="0" dirty="0">
@@ -29425,31 +29417,7 @@
               <a:rPr lang="en-US" sz="2000" i="0" dirty="0" smtClean="0">
                 <a:cs typeface="Arial" panose="020B0604020202020204" pitchFamily="34" charset="0"/>
               </a:rPr>
-              <a:t>(224-11) </a:t>
-            </a:r>
-            <a:r>
-              <a:rPr lang="en-US" sz="2000" i="0" dirty="0" smtClean="0">
-                <a:cs typeface="Arial" panose="020B0604020202020204" pitchFamily="34" charset="0"/>
-              </a:rPr>
-              <a:t>/</a:t>
-            </a:r>
-            <a:r>
-              <a:rPr lang="en-US" sz="2000" i="0" dirty="0" smtClean="0">
-                <a:cs typeface="Arial" panose="020B0604020202020204" pitchFamily="34" charset="0"/>
-              </a:rPr>
-              <a:t>4+1 </a:t>
-            </a:r>
-            <a:r>
-              <a:rPr lang="en-US" sz="2000" i="0" dirty="0" smtClean="0">
-                <a:cs typeface="Arial" panose="020B0604020202020204" pitchFamily="34" charset="0"/>
-              </a:rPr>
-              <a:t>= </a:t>
-            </a:r>
-            <a:r>
-              <a:rPr lang="en-US" sz="2000" i="0" dirty="0" smtClean="0">
-                <a:cs typeface="Arial" panose="020B0604020202020204" pitchFamily="34" charset="0"/>
-              </a:rPr>
-              <a:t>55</a:t>
+              <a:t>(224-11) /4+1 = 55</a:t>
             </a:r>
           </a:p>
           <a:p>
@@ -29461,37 +29429,7 @@
               <a:rPr lang="en-US" sz="2000" i="0" dirty="0" smtClean="0">
                 <a:cs typeface="Arial" panose="020B0604020202020204" pitchFamily="34" charset="0"/>
               </a:rPr>
-              <a:t>Output </a:t>
-            </a:r>
-            <a:r>
-              <a:rPr lang="en-US" sz="2000" i="0" dirty="0" smtClean="0">
-                <a:cs typeface="Arial" panose="020B0604020202020204" pitchFamily="34" charset="0"/>
-              </a:rPr>
-              <a:t>size (</a:t>
-            </a:r>
-            <a:r>
-              <a:rPr lang="en-US" sz="2000" i="0" dirty="0" smtClean="0">
-                <a:cs typeface="Arial" panose="020B0604020202020204" pitchFamily="34" charset="0"/>
-              </a:rPr>
-              <a:t>56 </a:t>
-            </a:r>
-            <a:r>
-              <a:rPr lang="en-US" sz="2000" i="0" dirty="0" smtClean="0">
-                <a:cs typeface="Arial" panose="020B0604020202020204" pitchFamily="34" charset="0"/>
-              </a:rPr>
-              <a:t>x </a:t>
-            </a:r>
-            <a:r>
-              <a:rPr lang="en-US" sz="2000" i="0" dirty="0" smtClean="0">
-                <a:cs typeface="Arial" panose="020B0604020202020204" pitchFamily="34" charset="0"/>
-              </a:rPr>
-              <a:t>56 </a:t>
-            </a:r>
-            <a:r>
-              <a:rPr lang="en-US" sz="2000" i="0" dirty="0" smtClean="0">
-                <a:cs typeface="Arial" panose="020B0604020202020204" pitchFamily="34" charset="0"/>
-              </a:rPr>
-              <a:t>x 96)</a:t>
+              <a:t>Output size (56 x 56 x 96)</a:t>
             </a:r>
           </a:p>
           <a:p>
@@ -29554,13 +29492,7 @@
               <a:rPr lang="en-US" sz="2000" i="0" dirty="0" smtClean="0">
                 <a:cs typeface="Arial" panose="020B0604020202020204" pitchFamily="34" charset="0"/>
               </a:rPr>
-              <a:t>55/2 </a:t>
-            </a:r>
-            <a:r>
-              <a:rPr lang="en-US" sz="2000" i="0" dirty="0" smtClean="0">
-                <a:cs typeface="Arial" panose="020B0604020202020204" pitchFamily="34" charset="0"/>
-              </a:rPr>
-              <a:t>= 27</a:t>
+              <a:t>55/2 = 27</a:t>
             </a:r>
           </a:p>
           <a:p>
@@ -33417,7 +33349,6 @@
               <a:rPr lang="en-US" i="0" dirty="0" smtClean="0"/>
               <a:t> is easy to use but not efficient</a:t>
             </a:r>
-            <a:endParaRPr lang="en-US" i="0" dirty="0" smtClean="0"/>
           </a:p>
           <a:p>
             <a:pPr>
@@ -33428,7 +33359,6 @@
               <a:rPr lang="en-US" i="0" dirty="0" smtClean="0"/>
               <a:t>Large memory consumption</a:t>
             </a:r>
-            <a:endParaRPr lang="en-US" i="0" dirty="0" smtClean="0"/>
           </a:p>
           <a:p>
             <a:pPr>
@@ -33439,7 +33369,6 @@
               <a:rPr lang="en-US" i="0" dirty="0" smtClean="0"/>
               <a:t>Difficulty to scale to multiple GPUs</a:t>
             </a:r>
-            <a:endParaRPr lang="en-US" i="0" dirty="0" smtClean="0"/>
           </a:p>
           <a:p>
             <a:pPr>
@@ -33464,7 +33393,6 @@
               <a:rPr lang="en-US" i="0" dirty="0" smtClean="0"/>
               <a:t> estimator for large datasets: </a:t>
             </a:r>
-            <a:endParaRPr lang="en-US" i="0" dirty="0" smtClean="0"/>
           </a:p>
           <a:p>
             <a:pPr>
@@ -33483,7 +33411,6 @@
               <a:rPr lang="en-US" i="0" dirty="0" smtClean="0"/>
               <a:t>’ layers </a:t>
             </a:r>
-            <a:endParaRPr lang="en-US" i="0" dirty="0" smtClean="0"/>
           </a:p>
           <a:p>
             <a:pPr>
@@ -33506,7 +33433,6 @@
               <a:rPr lang="en-US" i="0" dirty="0" smtClean="0"/>
               <a:t>Sequential() model in large scale</a:t>
             </a:r>
-            <a:endParaRPr lang="en-US" i="0" dirty="0" smtClean="0"/>
           </a:p>
         </p:txBody>
       </p:sp>
@@ -35375,11 +35301,7 @@
             </a:r>
             <a:r>
               <a:rPr lang="en-US" smtClean="0"/>
-              <a:t>May </a:t>
-            </a:r>
-            <a:r>
-              <a:rPr lang="en-US" smtClean="0"/>
-              <a:t>NOT Be </a:t>
+              <a:t>May NOT Be </a:t>
             </a:r>
             <a:r>
               <a:rPr lang="en-US" dirty="0" smtClean="0"/>
@@ -35443,7 +35365,6 @@
               <a:rPr lang="en-US" dirty="0" smtClean="0"/>
               <a:t>Relatively difficulty to find novel ideas</a:t>
             </a:r>
-            <a:endParaRPr lang="en-US" dirty="0" smtClean="0"/>
           </a:p>
           <a:p>
             <a:endParaRPr lang="en-US" dirty="0"/>
@@ -35464,7 +35385,6 @@
               <a:rPr lang="en-US" dirty="0" smtClean="0"/>
               <a:t>faces</a:t>
             </a:r>
-            <a:endParaRPr lang="en-US" dirty="0" smtClean="0"/>
           </a:p>
           <a:p>
             <a:pPr marL="0" indent="0">
@@ -35478,13 +35398,8 @@
             </a:pPr>
             <a:r>
               <a:rPr lang="en-US" dirty="0" smtClean="0"/>
-              <a:t>After break (8:30pm), will join us</a:t>
-            </a:r>
-            <a:r>
-              <a:rPr lang="en-US" dirty="0" smtClean="0"/>
-              <a:t> our guest lecture Dr. Lei Zhang, who is the creator of Microsoft Celebrity1M. </a:t>
-            </a:r>
-            <a:endParaRPr lang="en-US" dirty="0" smtClean="0"/>
+              <a:t>After break (8:30pm), will join us our guest lecture Dr. Lei Zhang, who is the creator of Microsoft Celebrity1M. </a:t>
+            </a:r>
           </a:p>
         </p:txBody>
       </p:sp>
